--- a/рубеж 3/презы/регистрхране.pptx
+++ b/рубеж 3/презы/регистрхране.pptx
@@ -115,6 +115,11 @@
       </a:defRPr>
     </a:lvl9pPr>
   </p:defaultTextStyle>
+  <p:extLst>
+    <p:ext uri="{EFAFB233-063F-42B5-8137-9DF3F51BA10A}">
+      <p15:sldGuideLst xmlns:p15="http://schemas.microsoft.com/office/powerpoint/2012/main"/>
+    </p:ext>
+  </p:extLst>
 </p:presentation>
 </file>
 
@@ -249,7 +254,7 @@
           <a:p>
             <a:fld id="{3F37A280-2F84-422A-A1BD-B850D80411A7}" type="datetimeFigureOut">
               <a:rPr lang="ru-RU" smtClean="0"/>
-              <a:t>11.05.2021</a:t>
+              <a:t>12.05.2021</a:t>
             </a:fld>
             <a:endParaRPr lang="ru-RU"/>
           </a:p>
@@ -419,7 +424,7 @@
           <a:p>
             <a:fld id="{3F37A280-2F84-422A-A1BD-B850D80411A7}" type="datetimeFigureOut">
               <a:rPr lang="ru-RU" smtClean="0"/>
-              <a:t>11.05.2021</a:t>
+              <a:t>12.05.2021</a:t>
             </a:fld>
             <a:endParaRPr lang="ru-RU"/>
           </a:p>
@@ -599,7 +604,7 @@
           <a:p>
             <a:fld id="{3F37A280-2F84-422A-A1BD-B850D80411A7}" type="datetimeFigureOut">
               <a:rPr lang="ru-RU" smtClean="0"/>
-              <a:t>11.05.2021</a:t>
+              <a:t>12.05.2021</a:t>
             </a:fld>
             <a:endParaRPr lang="ru-RU"/>
           </a:p>
@@ -769,7 +774,7 @@
           <a:p>
             <a:fld id="{3F37A280-2F84-422A-A1BD-B850D80411A7}" type="datetimeFigureOut">
               <a:rPr lang="ru-RU" smtClean="0"/>
-              <a:t>11.05.2021</a:t>
+              <a:t>12.05.2021</a:t>
             </a:fld>
             <a:endParaRPr lang="ru-RU"/>
           </a:p>
@@ -1015,7 +1020,7 @@
           <a:p>
             <a:fld id="{3F37A280-2F84-422A-A1BD-B850D80411A7}" type="datetimeFigureOut">
               <a:rPr lang="ru-RU" smtClean="0"/>
-              <a:t>11.05.2021</a:t>
+              <a:t>12.05.2021</a:t>
             </a:fld>
             <a:endParaRPr lang="ru-RU"/>
           </a:p>
@@ -1247,7 +1252,7 @@
           <a:p>
             <a:fld id="{3F37A280-2F84-422A-A1BD-B850D80411A7}" type="datetimeFigureOut">
               <a:rPr lang="ru-RU" smtClean="0"/>
-              <a:t>11.05.2021</a:t>
+              <a:t>12.05.2021</a:t>
             </a:fld>
             <a:endParaRPr lang="ru-RU"/>
           </a:p>
@@ -1614,7 +1619,7 @@
           <a:p>
             <a:fld id="{3F37A280-2F84-422A-A1BD-B850D80411A7}" type="datetimeFigureOut">
               <a:rPr lang="ru-RU" smtClean="0"/>
-              <a:t>11.05.2021</a:t>
+              <a:t>12.05.2021</a:t>
             </a:fld>
             <a:endParaRPr lang="ru-RU"/>
           </a:p>
@@ -1732,7 +1737,7 @@
           <a:p>
             <a:fld id="{3F37A280-2F84-422A-A1BD-B850D80411A7}" type="datetimeFigureOut">
               <a:rPr lang="ru-RU" smtClean="0"/>
-              <a:t>11.05.2021</a:t>
+              <a:t>12.05.2021</a:t>
             </a:fld>
             <a:endParaRPr lang="ru-RU"/>
           </a:p>
@@ -1827,7 +1832,7 @@
           <a:p>
             <a:fld id="{3F37A280-2F84-422A-A1BD-B850D80411A7}" type="datetimeFigureOut">
               <a:rPr lang="ru-RU" smtClean="0"/>
-              <a:t>11.05.2021</a:t>
+              <a:t>12.05.2021</a:t>
             </a:fld>
             <a:endParaRPr lang="ru-RU"/>
           </a:p>
@@ -2104,7 +2109,7 @@
           <a:p>
             <a:fld id="{3F37A280-2F84-422A-A1BD-B850D80411A7}" type="datetimeFigureOut">
               <a:rPr lang="ru-RU" smtClean="0"/>
-              <a:t>11.05.2021</a:t>
+              <a:t>12.05.2021</a:t>
             </a:fld>
             <a:endParaRPr lang="ru-RU"/>
           </a:p>
@@ -2357,7 +2362,7 @@
           <a:p>
             <a:fld id="{3F37A280-2F84-422A-A1BD-B850D80411A7}" type="datetimeFigureOut">
               <a:rPr lang="ru-RU" smtClean="0"/>
-              <a:t>11.05.2021</a:t>
+              <a:t>12.05.2021</a:t>
             </a:fld>
             <a:endParaRPr lang="ru-RU"/>
           </a:p>
@@ -2570,7 +2575,7 @@
           <a:p>
             <a:fld id="{3F37A280-2F84-422A-A1BD-B850D80411A7}" type="datetimeFigureOut">
               <a:rPr lang="ru-RU" smtClean="0"/>
-              <a:t>11.05.2021</a:t>
+              <a:t>12.05.2021</a:t>
             </a:fld>
             <a:endParaRPr lang="ru-RU"/>
           </a:p>
@@ -2990,7 +2995,7 @@
           <a:bodyPr/>
           <a:lstStyle/>
           <a:p>
-            <a:endParaRPr lang="ru-RU"/>
+            <a:endParaRPr lang="ru-RU" dirty="0"/>
           </a:p>
         </p:txBody>
       </p:sp>
@@ -4345,7 +4350,7 @@
         </p:nvSpPr>
         <p:spPr>
           <a:xfrm>
-            <a:off x="376686" y="4132052"/>
+            <a:off x="376686" y="4054415"/>
             <a:ext cx="2622430" cy="776377"/>
           </a:xfrm>
           <a:prstGeom prst="rect">
